--- a/spring/spring 理解之IOC基础(一).pptx
+++ b/spring/spring 理解之IOC基础(一).pptx
@@ -7742,7 +7742,6 @@
               <a:t>。 </a:t>
             </a:r>
             <a:endParaRPr lang="en-US" altLang="zh-CN" b="1" dirty="0">
-              <a:ln/>
               <a:solidFill>
                 <a:schemeClr val="accent1"/>
               </a:solidFill>
@@ -8877,7 +8876,6 @@
           <a:p>
             <a:r>
               <a:rPr lang="en-US" altLang="zh-CN" sz="2000" dirty="0">
-                <a:ln/>
                 <a:solidFill>
                   <a:schemeClr val="accent1"/>
                 </a:solidFill>
@@ -8892,7 +8890,6 @@
               <a:t>	</a:t>
             </a:r>
             <a:endParaRPr lang="en-US" altLang="zh-CN" sz="2000" dirty="0">
-              <a:ln/>
               <a:solidFill>
                 <a:schemeClr val="accent1"/>
               </a:solidFill>
@@ -8907,7 +8904,6 @@
           </a:p>
           <a:p>
             <a:endParaRPr lang="en-US" altLang="zh-CN" sz="2000" b="1" dirty="0">
-              <a:ln/>
               <a:solidFill>
                 <a:schemeClr val="accent1"/>
               </a:solidFill>
@@ -8922,7 +8918,6 @@
           </a:p>
           <a:p>
             <a:endParaRPr lang="en-US" altLang="zh-CN" sz="2000" b="1" dirty="0">
-              <a:ln/>
               <a:solidFill>
                 <a:schemeClr val="accent1"/>
               </a:solidFill>
@@ -8938,7 +8933,6 @@
           <a:p>
             <a:r>
               <a:rPr lang="en-US" altLang="zh-CN" sz="2000" b="1" dirty="0">
-                <a:ln/>
                 <a:solidFill>
                   <a:schemeClr val="accent1"/>
                 </a:solidFill>
@@ -8954,7 +8948,6 @@
             </a:r>
             <a:r>
               <a:rPr lang="zh-CN" altLang="en-US" sz="2000" b="1" dirty="0">
-                <a:ln/>
                 <a:solidFill>
                   <a:schemeClr val="accent1"/>
                 </a:solidFill>
@@ -8970,7 +8963,6 @@
             </a:r>
             <a:r>
               <a:rPr lang="zh-CN" altLang="en-US" sz="2000" b="1" dirty="0">
-                <a:ln/>
                 <a:solidFill>
                   <a:schemeClr val="accent1"/>
                 </a:solidFill>
@@ -8985,7 +8977,6 @@
               <a:t> IoC ，就是由 Spring IoC 容器来负责对象的生命周期和对象之间的关系</a:t>
             </a:r>
             <a:endParaRPr lang="zh-CN" altLang="en-US" sz="2000" b="1" dirty="0">
-              <a:ln/>
               <a:solidFill>
                 <a:schemeClr val="accent1"/>
               </a:solidFill>
@@ -9000,7 +8991,6 @@
           </a:p>
           <a:p>
             <a:endParaRPr lang="zh-CN" altLang="en-US" sz="2000" b="1" dirty="0">
-              <a:ln/>
               <a:solidFill>
                 <a:schemeClr val="accent1"/>
               </a:solidFill>
@@ -9016,7 +9006,6 @@
           <a:p>
             <a:r>
               <a:rPr lang="zh-CN" altLang="en-US" sz="2000" b="1" dirty="0">
-                <a:ln/>
                 <a:solidFill>
                   <a:srgbClr val="0070C0"/>
                 </a:solidFill>
@@ -9032,7 +9021,6 @@
             </a:r>
             <a:r>
               <a:rPr lang="en-US" altLang="zh-CN" sz="2000" b="1" dirty="0">
-                <a:ln/>
                 <a:solidFill>
                   <a:srgbClr val="0070C0"/>
                 </a:solidFill>
@@ -9047,7 +9035,6 @@
               <a:t>:</a:t>
             </a:r>
             <a:endParaRPr lang="zh-CN" altLang="en-US" sz="2000" b="1" dirty="0">
-              <a:ln/>
               <a:solidFill>
                 <a:srgbClr val="0070C0"/>
               </a:solidFill>
@@ -9182,7 +9169,6 @@
           </a:p>
           <a:p>
             <a:endParaRPr lang="zh-CN" altLang="en-US" sz="2000" b="1" dirty="0">
-              <a:ln/>
               <a:solidFill>
                 <a:schemeClr val="accent1"/>
               </a:solidFill>
@@ -11956,7 +11942,6 @@
             </a:pPr>
             <a:r>
               <a:rPr lang="en-US" altLang="zh-CN" sz="2400" b="1" dirty="0" smtClean="0">
-                <a:ln/>
                 <a:solidFill>
                   <a:schemeClr val="tx1"/>
                 </a:solidFill>
@@ -11976,7 +11961,6 @@
             </a:r>
             <a:r>
               <a:rPr lang="zh-CN" altLang="en-US" sz="2400" b="1" dirty="0" smtClean="0">
-                <a:ln/>
                 <a:solidFill>
                   <a:schemeClr val="tx1"/>
                 </a:solidFill>
@@ -11995,7 +11979,6 @@
               <a:t>简单介绍</a:t>
             </a:r>
             <a:endParaRPr lang="zh-CN" altLang="en-US" sz="2400" b="1" dirty="0" smtClean="0">
-              <a:ln/>
               <a:solidFill>
                 <a:schemeClr val="tx1"/>
               </a:solidFill>
@@ -12051,7 +12034,6 @@
             </a:pPr>
             <a:r>
               <a:rPr lang="en-US" altLang="zh-CN" sz="2400" b="1" dirty="0" smtClean="0">
-                <a:ln/>
                 <a:solidFill>
                   <a:schemeClr val="accent1"/>
                 </a:solidFill>
@@ -12071,7 +12053,6 @@
             </a:r>
             <a:r>
               <a:rPr lang="zh-CN" altLang="en-US" sz="2400" b="1" dirty="0" smtClean="0">
-                <a:ln/>
                 <a:solidFill>
                   <a:schemeClr val="accent1"/>
                 </a:solidFill>
@@ -12090,7 +12071,6 @@
               <a:t>体系结构</a:t>
             </a:r>
             <a:endParaRPr lang="zh-CN" altLang="en-US" sz="2400" b="1" dirty="0" smtClean="0">
-              <a:ln/>
               <a:solidFill>
                 <a:schemeClr val="accent1"/>
               </a:solidFill>
@@ -12259,7 +12239,7 @@
         </p:blipFill>
         <p:spPr>
           <a:xfrm>
-            <a:off x="378460" y="1362075"/>
+            <a:off x="391795" y="1362075"/>
             <a:ext cx="5881370" cy="5389245"/>
           </a:xfrm>
           <a:prstGeom prst="rect">
